--- a/presentations/source/14-Governance.pptx
+++ b/presentations/source/14-Governance.pptx
@@ -240,7 +240,7 @@
             <a:fld id="{7307762F-A706-E543-A832-3C298AA3103F}" type="datetimeFigureOut">
               <a:rPr lang="en-US" smtClean="0"/>
               <a:pPr/>
-              <a:t>13/12/2012</a:t>
+              <a:t>18/12/2012</a:t>
             </a:fld>
             <a:endParaRPr lang="en-US" dirty="0"/>
           </a:p>
@@ -928,7 +928,7 @@
           <a:p>
             <a:fld id="{875CF0EB-321F-0749-B37A-89BBA859503C}" type="datetimeFigureOut">
               <a:rPr lang="en-US" smtClean="0"/>
-              <a:t>13/12/2012</a:t>
+              <a:t>18/12/2012</a:t>
             </a:fld>
             <a:endParaRPr lang="en-US"/>
           </a:p>
@@ -1132,7 +1132,7 @@
           <a:p>
             <a:fld id="{875CF0EB-321F-0749-B37A-89BBA859503C}" type="datetimeFigureOut">
               <a:rPr lang="en-US" smtClean="0"/>
-              <a:t>13/12/2012</a:t>
+              <a:t>18/12/2012</a:t>
             </a:fld>
             <a:endParaRPr lang="en-US"/>
           </a:p>
@@ -1474,7 +1474,7 @@
           <a:p>
             <a:fld id="{875CF0EB-321F-0749-B37A-89BBA859503C}" type="datetimeFigureOut">
               <a:rPr lang="en-US" smtClean="0"/>
-              <a:t>13/12/2012</a:t>
+              <a:t>18/12/2012</a:t>
             </a:fld>
             <a:endParaRPr lang="en-US"/>
           </a:p>
@@ -1744,7 +1744,7 @@
           <a:p>
             <a:fld id="{875CF0EB-321F-0749-B37A-89BBA859503C}" type="datetimeFigureOut">
               <a:rPr lang="en-US" smtClean="0"/>
-              <a:t>13/12/2012</a:t>
+              <a:t>18/12/2012</a:t>
             </a:fld>
             <a:endParaRPr lang="en-US"/>
           </a:p>
@@ -2056,7 +2056,7 @@
           <a:p>
             <a:fld id="{875CF0EB-321F-0749-B37A-89BBA859503C}" type="datetimeFigureOut">
               <a:rPr lang="en-US" smtClean="0"/>
-              <a:t>13/12/2012</a:t>
+              <a:t>18/12/2012</a:t>
             </a:fld>
             <a:endParaRPr lang="en-US"/>
           </a:p>
@@ -2502,7 +2502,7 @@
           <a:p>
             <a:fld id="{875CF0EB-321F-0749-B37A-89BBA859503C}" type="datetimeFigureOut">
               <a:rPr lang="en-US" smtClean="0"/>
-              <a:t>13/12/2012</a:t>
+              <a:t>18/12/2012</a:t>
             </a:fld>
             <a:endParaRPr lang="en-US"/>
           </a:p>
@@ -2644,7 +2644,7 @@
           <a:p>
             <a:fld id="{875CF0EB-321F-0749-B37A-89BBA859503C}" type="datetimeFigureOut">
               <a:rPr lang="en-US" smtClean="0"/>
-              <a:t>13/12/2012</a:t>
+              <a:t>18/12/2012</a:t>
             </a:fld>
             <a:endParaRPr lang="en-US"/>
           </a:p>
@@ -2763,7 +2763,7 @@
           <a:p>
             <a:fld id="{875CF0EB-321F-0749-B37A-89BBA859503C}" type="datetimeFigureOut">
               <a:rPr lang="en-US" smtClean="0"/>
-              <a:t>13/12/2012</a:t>
+              <a:t>18/12/2012</a:t>
             </a:fld>
             <a:endParaRPr lang="en-US"/>
           </a:p>
@@ -3064,7 +3064,7 @@
           <a:p>
             <a:fld id="{875CF0EB-321F-0749-B37A-89BBA859503C}" type="datetimeFigureOut">
               <a:rPr lang="en-US" smtClean="0"/>
-              <a:t>13/12/2012</a:t>
+              <a:t>18/12/2012</a:t>
             </a:fld>
             <a:endParaRPr lang="en-US"/>
           </a:p>
@@ -3341,7 +3341,7 @@
           <a:p>
             <a:fld id="{875CF0EB-321F-0749-B37A-89BBA859503C}" type="datetimeFigureOut">
               <a:rPr lang="en-US" smtClean="0"/>
-              <a:t>13/12/2012</a:t>
+              <a:t>18/12/2012</a:t>
             </a:fld>
             <a:endParaRPr lang="en-US"/>
           </a:p>
@@ -4164,6 +4164,33 @@
         <p:txBody>
           <a:bodyPr/>
           <a:lstStyle/>
+          <a:p>
+            <a:r>
+              <a:rPr lang="en-US" dirty="0">
+                <a:ea typeface="ヒラギノ角ゴ ProN W3" charset="0"/>
+                <a:cs typeface="ヒラギノ角ゴ ProN W3" charset="0"/>
+              </a:rPr>
+              <a:t>Oxford University </a:t>
+            </a:r>
+          </a:p>
+          <a:p>
+            <a:r>
+              <a:rPr lang="en-US" dirty="0">
+                <a:ea typeface="ヒラギノ角ゴ ProN W3" charset="0"/>
+                <a:cs typeface="ヒラギノ角ゴ ProN W3" charset="0"/>
+              </a:rPr>
+              <a:t>Software Engineering Programme</a:t>
+            </a:r>
+          </a:p>
+          <a:p>
+            <a:r>
+              <a:rPr lang="en-US">
+                <a:ea typeface="ヒラギノ角ゴ ProN W3" charset="0"/>
+                <a:cs typeface="ヒラギノ角ゴ ProN W3" charset="0"/>
+              </a:rPr>
+              <a:t>Dec 2012</a:t>
+            </a:r>
+          </a:p>
           <a:p>
             <a:endParaRPr lang="en-US" dirty="0"/>
           </a:p>

--- a/presentations/source/14-Governance.pptx
+++ b/presentations/source/14-Governance.pptx
@@ -240,7 +240,7 @@
             <a:fld id="{7307762F-A706-E543-A832-3C298AA3103F}" type="datetimeFigureOut">
               <a:rPr lang="en-US" smtClean="0"/>
               <a:pPr/>
-              <a:t>18/12/2012</a:t>
+              <a:t>11/27/13</a:t>
             </a:fld>
             <a:endParaRPr lang="en-US" dirty="0"/>
           </a:p>
@@ -928,7 +928,7 @@
           <a:p>
             <a:fld id="{875CF0EB-321F-0749-B37A-89BBA859503C}" type="datetimeFigureOut">
               <a:rPr lang="en-US" smtClean="0"/>
-              <a:t>18/12/2012</a:t>
+              <a:t>11/27/13</a:t>
             </a:fld>
             <a:endParaRPr lang="en-US"/>
           </a:p>
@@ -1132,7 +1132,7 @@
           <a:p>
             <a:fld id="{875CF0EB-321F-0749-B37A-89BBA859503C}" type="datetimeFigureOut">
               <a:rPr lang="en-US" smtClean="0"/>
-              <a:t>18/12/2012</a:t>
+              <a:t>11/27/13</a:t>
             </a:fld>
             <a:endParaRPr lang="en-US"/>
           </a:p>
@@ -1474,7 +1474,7 @@
           <a:p>
             <a:fld id="{875CF0EB-321F-0749-B37A-89BBA859503C}" type="datetimeFigureOut">
               <a:rPr lang="en-US" smtClean="0"/>
-              <a:t>18/12/2012</a:t>
+              <a:t>11/27/13</a:t>
             </a:fld>
             <a:endParaRPr lang="en-US"/>
           </a:p>
@@ -1744,7 +1744,7 @@
           <a:p>
             <a:fld id="{875CF0EB-321F-0749-B37A-89BBA859503C}" type="datetimeFigureOut">
               <a:rPr lang="en-US" smtClean="0"/>
-              <a:t>18/12/2012</a:t>
+              <a:t>11/27/13</a:t>
             </a:fld>
             <a:endParaRPr lang="en-US"/>
           </a:p>
@@ -2056,7 +2056,7 @@
           <a:p>
             <a:fld id="{875CF0EB-321F-0749-B37A-89BBA859503C}" type="datetimeFigureOut">
               <a:rPr lang="en-US" smtClean="0"/>
-              <a:t>18/12/2012</a:t>
+              <a:t>11/27/13</a:t>
             </a:fld>
             <a:endParaRPr lang="en-US"/>
           </a:p>
@@ -2502,7 +2502,7 @@
           <a:p>
             <a:fld id="{875CF0EB-321F-0749-B37A-89BBA859503C}" type="datetimeFigureOut">
               <a:rPr lang="en-US" smtClean="0"/>
-              <a:t>18/12/2012</a:t>
+              <a:t>11/27/13</a:t>
             </a:fld>
             <a:endParaRPr lang="en-US"/>
           </a:p>
@@ -2644,7 +2644,7 @@
           <a:p>
             <a:fld id="{875CF0EB-321F-0749-B37A-89BBA859503C}" type="datetimeFigureOut">
               <a:rPr lang="en-US" smtClean="0"/>
-              <a:t>18/12/2012</a:t>
+              <a:t>11/27/13</a:t>
             </a:fld>
             <a:endParaRPr lang="en-US"/>
           </a:p>
@@ -2763,7 +2763,7 @@
           <a:p>
             <a:fld id="{875CF0EB-321F-0749-B37A-89BBA859503C}" type="datetimeFigureOut">
               <a:rPr lang="en-US" smtClean="0"/>
-              <a:t>18/12/2012</a:t>
+              <a:t>11/27/13</a:t>
             </a:fld>
             <a:endParaRPr lang="en-US"/>
           </a:p>
@@ -3064,7 +3064,7 @@
           <a:p>
             <a:fld id="{875CF0EB-321F-0749-B37A-89BBA859503C}" type="datetimeFigureOut">
               <a:rPr lang="en-US" smtClean="0"/>
-              <a:t>18/12/2012</a:t>
+              <a:t>11/27/13</a:t>
             </a:fld>
             <a:endParaRPr lang="en-US"/>
           </a:p>
@@ -3341,7 +3341,7 @@
           <a:p>
             <a:fld id="{875CF0EB-321F-0749-B37A-89BBA859503C}" type="datetimeFigureOut">
               <a:rPr lang="en-US" smtClean="0"/>
-              <a:t>18/12/2012</a:t>
+              <a:t>11/27/13</a:t>
             </a:fld>
             <a:endParaRPr lang="en-US"/>
           </a:p>
@@ -4188,8 +4188,19 @@
                 <a:ea typeface="ヒラギノ角ゴ ProN W3" charset="0"/>
                 <a:cs typeface="ヒラギノ角ゴ ProN W3" charset="0"/>
               </a:rPr>
-              <a:t>Dec 2012</a:t>
-            </a:r>
+              <a:t>Dec </a:t>
+            </a:r>
+            <a:r>
+              <a:rPr lang="en-US" smtClean="0">
+                <a:ea typeface="ヒラギノ角ゴ ProN W3" charset="0"/>
+                <a:cs typeface="ヒラギノ角ゴ ProN W3" charset="0"/>
+              </a:rPr>
+              <a:t>2013</a:t>
+            </a:r>
+            <a:endParaRPr lang="en-US">
+              <a:ea typeface="ヒラギノ角ゴ ProN W3" charset="0"/>
+              <a:cs typeface="ヒラギノ角ゴ ProN W3" charset="0"/>
+            </a:endParaRPr>
           </a:p>
           <a:p>
             <a:endParaRPr lang="en-US" dirty="0"/>

--- a/presentations/source/14-Governance.pptx
+++ b/presentations/source/14-Governance.pptx
@@ -240,7 +240,7 @@
             <a:fld id="{7307762F-A706-E543-A832-3C298AA3103F}" type="datetimeFigureOut">
               <a:rPr lang="en-US" smtClean="0"/>
               <a:pPr/>
-              <a:t>11/27/13</a:t>
+              <a:t>11/21/14</a:t>
             </a:fld>
             <a:endParaRPr lang="en-US" dirty="0"/>
           </a:p>
@@ -928,7 +928,7 @@
           <a:p>
             <a:fld id="{875CF0EB-321F-0749-B37A-89BBA859503C}" type="datetimeFigureOut">
               <a:rPr lang="en-US" smtClean="0"/>
-              <a:t>11/27/13</a:t>
+              <a:t>11/21/14</a:t>
             </a:fld>
             <a:endParaRPr lang="en-US"/>
           </a:p>
@@ -1132,7 +1132,7 @@
           <a:p>
             <a:fld id="{875CF0EB-321F-0749-B37A-89BBA859503C}" type="datetimeFigureOut">
               <a:rPr lang="en-US" smtClean="0"/>
-              <a:t>11/27/13</a:t>
+              <a:t>11/21/14</a:t>
             </a:fld>
             <a:endParaRPr lang="en-US"/>
           </a:p>
@@ -1474,7 +1474,7 @@
           <a:p>
             <a:fld id="{875CF0EB-321F-0749-B37A-89BBA859503C}" type="datetimeFigureOut">
               <a:rPr lang="en-US" smtClean="0"/>
-              <a:t>11/27/13</a:t>
+              <a:t>11/21/14</a:t>
             </a:fld>
             <a:endParaRPr lang="en-US"/>
           </a:p>
@@ -1744,7 +1744,7 @@
           <a:p>
             <a:fld id="{875CF0EB-321F-0749-B37A-89BBA859503C}" type="datetimeFigureOut">
               <a:rPr lang="en-US" smtClean="0"/>
-              <a:t>11/27/13</a:t>
+              <a:t>11/21/14</a:t>
             </a:fld>
             <a:endParaRPr lang="en-US"/>
           </a:p>
@@ -2056,7 +2056,7 @@
           <a:p>
             <a:fld id="{875CF0EB-321F-0749-B37A-89BBA859503C}" type="datetimeFigureOut">
               <a:rPr lang="en-US" smtClean="0"/>
-              <a:t>11/27/13</a:t>
+              <a:t>11/21/14</a:t>
             </a:fld>
             <a:endParaRPr lang="en-US"/>
           </a:p>
@@ -2502,7 +2502,7 @@
           <a:p>
             <a:fld id="{875CF0EB-321F-0749-B37A-89BBA859503C}" type="datetimeFigureOut">
               <a:rPr lang="en-US" smtClean="0"/>
-              <a:t>11/27/13</a:t>
+              <a:t>11/21/14</a:t>
             </a:fld>
             <a:endParaRPr lang="en-US"/>
           </a:p>
@@ -2644,7 +2644,7 @@
           <a:p>
             <a:fld id="{875CF0EB-321F-0749-B37A-89BBA859503C}" type="datetimeFigureOut">
               <a:rPr lang="en-US" smtClean="0"/>
-              <a:t>11/27/13</a:t>
+              <a:t>11/21/14</a:t>
             </a:fld>
             <a:endParaRPr lang="en-US"/>
           </a:p>
@@ -2763,7 +2763,7 @@
           <a:p>
             <a:fld id="{875CF0EB-321F-0749-B37A-89BBA859503C}" type="datetimeFigureOut">
               <a:rPr lang="en-US" smtClean="0"/>
-              <a:t>11/27/13</a:t>
+              <a:t>11/21/14</a:t>
             </a:fld>
             <a:endParaRPr lang="en-US"/>
           </a:p>
@@ -3064,7 +3064,7 @@
           <a:p>
             <a:fld id="{875CF0EB-321F-0749-B37A-89BBA859503C}" type="datetimeFigureOut">
               <a:rPr lang="en-US" smtClean="0"/>
-              <a:t>11/27/13</a:t>
+              <a:t>11/21/14</a:t>
             </a:fld>
             <a:endParaRPr lang="en-US"/>
           </a:p>
@@ -3341,7 +3341,7 @@
           <a:p>
             <a:fld id="{875CF0EB-321F-0749-B37A-89BBA859503C}" type="datetimeFigureOut">
               <a:rPr lang="en-US" smtClean="0"/>
-              <a:t>11/27/13</a:t>
+              <a:t>11/21/14</a:t>
             </a:fld>
             <a:endParaRPr lang="en-US"/>
           </a:p>
@@ -4195,7 +4195,7 @@
                 <a:ea typeface="ヒラギノ角ゴ ProN W3" charset="0"/>
                 <a:cs typeface="ヒラギノ角ゴ ProN W3" charset="0"/>
               </a:rPr>
-              <a:t>2013</a:t>
+              <a:t>2014</a:t>
             </a:r>
             <a:endParaRPr lang="en-US">
               <a:ea typeface="ヒラギノ角ゴ ProN W3" charset="0"/>

--- a/presentations/source/14-Governance.pptx
+++ b/presentations/source/14-Governance.pptx
@@ -240,7 +240,7 @@
             <a:fld id="{7307762F-A706-E543-A832-3C298AA3103F}" type="datetimeFigureOut">
               <a:rPr lang="en-US" smtClean="0"/>
               <a:pPr/>
-              <a:t>11/21/14</a:t>
+              <a:t>10/09/15</a:t>
             </a:fld>
             <a:endParaRPr lang="en-US" dirty="0"/>
           </a:p>
@@ -928,7 +928,7 @@
           <a:p>
             <a:fld id="{875CF0EB-321F-0749-B37A-89BBA859503C}" type="datetimeFigureOut">
               <a:rPr lang="en-US" smtClean="0"/>
-              <a:t>11/21/14</a:t>
+              <a:t>10/09/15</a:t>
             </a:fld>
             <a:endParaRPr lang="en-US"/>
           </a:p>
@@ -1132,7 +1132,7 @@
           <a:p>
             <a:fld id="{875CF0EB-321F-0749-B37A-89BBA859503C}" type="datetimeFigureOut">
               <a:rPr lang="en-US" smtClean="0"/>
-              <a:t>11/21/14</a:t>
+              <a:t>10/09/15</a:t>
             </a:fld>
             <a:endParaRPr lang="en-US"/>
           </a:p>
@@ -1474,7 +1474,7 @@
           <a:p>
             <a:fld id="{875CF0EB-321F-0749-B37A-89BBA859503C}" type="datetimeFigureOut">
               <a:rPr lang="en-US" smtClean="0"/>
-              <a:t>11/21/14</a:t>
+              <a:t>10/09/15</a:t>
             </a:fld>
             <a:endParaRPr lang="en-US"/>
           </a:p>
@@ -1744,7 +1744,7 @@
           <a:p>
             <a:fld id="{875CF0EB-321F-0749-B37A-89BBA859503C}" type="datetimeFigureOut">
               <a:rPr lang="en-US" smtClean="0"/>
-              <a:t>11/21/14</a:t>
+              <a:t>10/09/15</a:t>
             </a:fld>
             <a:endParaRPr lang="en-US"/>
           </a:p>
@@ -2056,7 +2056,7 @@
           <a:p>
             <a:fld id="{875CF0EB-321F-0749-B37A-89BBA859503C}" type="datetimeFigureOut">
               <a:rPr lang="en-US" smtClean="0"/>
-              <a:t>11/21/14</a:t>
+              <a:t>10/09/15</a:t>
             </a:fld>
             <a:endParaRPr lang="en-US"/>
           </a:p>
@@ -2502,7 +2502,7 @@
           <a:p>
             <a:fld id="{875CF0EB-321F-0749-B37A-89BBA859503C}" type="datetimeFigureOut">
               <a:rPr lang="en-US" smtClean="0"/>
-              <a:t>11/21/14</a:t>
+              <a:t>10/09/15</a:t>
             </a:fld>
             <a:endParaRPr lang="en-US"/>
           </a:p>
@@ -2644,7 +2644,7 @@
           <a:p>
             <a:fld id="{875CF0EB-321F-0749-B37A-89BBA859503C}" type="datetimeFigureOut">
               <a:rPr lang="en-US" smtClean="0"/>
-              <a:t>11/21/14</a:t>
+              <a:t>10/09/15</a:t>
             </a:fld>
             <a:endParaRPr lang="en-US"/>
           </a:p>
@@ -2763,7 +2763,7 @@
           <a:p>
             <a:fld id="{875CF0EB-321F-0749-B37A-89BBA859503C}" type="datetimeFigureOut">
               <a:rPr lang="en-US" smtClean="0"/>
-              <a:t>11/21/14</a:t>
+              <a:t>10/09/15</a:t>
             </a:fld>
             <a:endParaRPr lang="en-US"/>
           </a:p>
@@ -3064,7 +3064,7 @@
           <a:p>
             <a:fld id="{875CF0EB-321F-0749-B37A-89BBA859503C}" type="datetimeFigureOut">
               <a:rPr lang="en-US" smtClean="0"/>
-              <a:t>11/21/14</a:t>
+              <a:t>10/09/15</a:t>
             </a:fld>
             <a:endParaRPr lang="en-US"/>
           </a:p>
@@ -3341,7 +3341,7 @@
           <a:p>
             <a:fld id="{875CF0EB-321F-0749-B37A-89BBA859503C}" type="datetimeFigureOut">
               <a:rPr lang="en-US" smtClean="0"/>
-              <a:t>11/21/14</a:t>
+              <a:t>10/09/15</a:t>
             </a:fld>
             <a:endParaRPr lang="en-US"/>
           </a:p>
@@ -4184,20 +4184,13 @@
           </a:p>
           <a:p>
             <a:r>
-              <a:rPr lang="en-US">
-                <a:ea typeface="ヒラギノ角ゴ ProN W3" charset="0"/>
-                <a:cs typeface="ヒラギノ角ゴ ProN W3" charset="0"/>
-              </a:rPr>
-              <a:t>Dec </a:t>
-            </a:r>
-            <a:r>
               <a:rPr lang="en-US" smtClean="0">
                 <a:ea typeface="ヒラギノ角ゴ ProN W3" charset="0"/>
                 <a:cs typeface="ヒラギノ角ゴ ProN W3" charset="0"/>
               </a:rPr>
-              <a:t>2014</a:t>
-            </a:r>
-            <a:endParaRPr lang="en-US">
+              <a:t>Sep 2015</a:t>
+            </a:r>
+            <a:endParaRPr lang="en-US" dirty="0">
               <a:ea typeface="ヒラギノ角ゴ ProN W3" charset="0"/>
               <a:cs typeface="ヒラギノ角ゴ ProN W3" charset="0"/>
             </a:endParaRPr>
